--- a/knowledgeSharing/Testing/Frontend Testing.pptx
+++ b/knowledgeSharing/Testing/Frontend Testing.pptx
@@ -6,7 +6,7 @@
     <p:sldMasterId id="2147483668" r:id="rId2"/>
   </p:sldMasterIdLst>
   <p:notesMasterIdLst>
-    <p:notesMasterId r:id="rId27"/>
+    <p:notesMasterId r:id="rId29"/>
   </p:notesMasterIdLst>
   <p:sldIdLst>
     <p:sldId id="256" r:id="rId3"/>
@@ -32,7 +32,9 @@
     <p:sldId id="279" r:id="rId23"/>
     <p:sldId id="280" r:id="rId24"/>
     <p:sldId id="281" r:id="rId25"/>
-    <p:sldId id="260" r:id="rId26"/>
+    <p:sldId id="282" r:id="rId26"/>
+    <p:sldId id="283" r:id="rId27"/>
+    <p:sldId id="260" r:id="rId28"/>
   </p:sldIdLst>
   <p:sldSz cx="12192000" cy="6858000"/>
   <p:notesSz cx="6858000" cy="9144000"/>
@@ -1865,6 +1867,174 @@
             <p:ph type="sldImg"/>
           </p:nvPr>
         </p:nvSpPr>
+        <p:spPr/>
+      </p:sp>
+      <p:sp>
+        <p:nvSpPr>
+          <p:cNvPr id="3" name="Notes Placeholder 2"/>
+          <p:cNvSpPr>
+            <a:spLocks noGrp="1"/>
+          </p:cNvSpPr>
+          <p:nvPr>
+            <p:ph type="body" idx="1"/>
+          </p:nvPr>
+        </p:nvSpPr>
+        <p:spPr/>
+        <p:txBody>
+          <a:bodyPr/>
+          <a:lstStyle/>
+          <a:p>
+            <a:endParaRPr lang="en-GB"/>
+          </a:p>
+        </p:txBody>
+      </p:sp>
+      <p:sp>
+        <p:nvSpPr>
+          <p:cNvPr id="4" name="Slide Number Placeholder 3"/>
+          <p:cNvSpPr>
+            <a:spLocks noGrp="1"/>
+          </p:cNvSpPr>
+          <p:nvPr>
+            <p:ph type="sldNum" sz="quarter" idx="5"/>
+          </p:nvPr>
+        </p:nvSpPr>
+        <p:spPr/>
+        <p:txBody>
+          <a:bodyPr/>
+          <a:lstStyle/>
+          <a:p>
+            <a:fld id="{AD2EC2AB-FD5C-4EF7-AF8D-FB95907AF3A4}" type="slidenum">
+              <a:rPr lang="en-GB" smtClean="0"/>
+              <a:t>24</a:t>
+            </a:fld>
+            <a:endParaRPr lang="en-GB" dirty="0"/>
+          </a:p>
+        </p:txBody>
+      </p:sp>
+    </p:spTree>
+    <p:extLst>
+      <p:ext uri="{BB962C8B-B14F-4D97-AF65-F5344CB8AC3E}">
+        <p14:creationId xmlns:p14="http://schemas.microsoft.com/office/powerpoint/2010/main" val="3313213415"/>
+      </p:ext>
+    </p:extLst>
+  </p:cSld>
+  <p:clrMapOvr>
+    <a:masterClrMapping/>
+  </p:clrMapOvr>
+</p:notes>
+</file>
+
+<file path=ppt/notesSlides/notesSlide25.xml><?xml version="1.0" encoding="utf-8"?>
+<p:notes xmlns:a="http://schemas.openxmlformats.org/drawingml/2006/main" xmlns:r="http://schemas.openxmlformats.org/officeDocument/2006/relationships" xmlns:p="http://schemas.openxmlformats.org/presentationml/2006/main">
+  <p:cSld>
+    <p:spTree>
+      <p:nvGrpSpPr>
+        <p:cNvPr id="1" name=""/>
+        <p:cNvGrpSpPr/>
+        <p:nvPr/>
+      </p:nvGrpSpPr>
+      <p:grpSpPr>
+        <a:xfrm>
+          <a:off x="0" y="0"/>
+          <a:ext cx="0" cy="0"/>
+          <a:chOff x="0" y="0"/>
+          <a:chExt cx="0" cy="0"/>
+        </a:xfrm>
+      </p:grpSpPr>
+      <p:sp>
+        <p:nvSpPr>
+          <p:cNvPr id="2" name="Slide Image Placeholder 1"/>
+          <p:cNvSpPr>
+            <a:spLocks noGrp="1" noRot="1" noChangeAspect="1"/>
+          </p:cNvSpPr>
+          <p:nvPr>
+            <p:ph type="sldImg"/>
+          </p:nvPr>
+        </p:nvSpPr>
+        <p:spPr/>
+      </p:sp>
+      <p:sp>
+        <p:nvSpPr>
+          <p:cNvPr id="3" name="Notes Placeholder 2"/>
+          <p:cNvSpPr>
+            <a:spLocks noGrp="1"/>
+          </p:cNvSpPr>
+          <p:nvPr>
+            <p:ph type="body" idx="1"/>
+          </p:nvPr>
+        </p:nvSpPr>
+        <p:spPr/>
+        <p:txBody>
+          <a:bodyPr/>
+          <a:lstStyle/>
+          <a:p>
+            <a:endParaRPr lang="en-GB"/>
+          </a:p>
+        </p:txBody>
+      </p:sp>
+      <p:sp>
+        <p:nvSpPr>
+          <p:cNvPr id="4" name="Slide Number Placeholder 3"/>
+          <p:cNvSpPr>
+            <a:spLocks noGrp="1"/>
+          </p:cNvSpPr>
+          <p:nvPr>
+            <p:ph type="sldNum" sz="quarter" idx="5"/>
+          </p:nvPr>
+        </p:nvSpPr>
+        <p:spPr/>
+        <p:txBody>
+          <a:bodyPr/>
+          <a:lstStyle/>
+          <a:p>
+            <a:fld id="{AD2EC2AB-FD5C-4EF7-AF8D-FB95907AF3A4}" type="slidenum">
+              <a:rPr lang="en-GB" smtClean="0"/>
+              <a:t>25</a:t>
+            </a:fld>
+            <a:endParaRPr lang="en-GB" dirty="0"/>
+          </a:p>
+        </p:txBody>
+      </p:sp>
+    </p:spTree>
+    <p:extLst>
+      <p:ext uri="{BB962C8B-B14F-4D97-AF65-F5344CB8AC3E}">
+        <p14:creationId xmlns:p14="http://schemas.microsoft.com/office/powerpoint/2010/main" val="3191869946"/>
+      </p:ext>
+    </p:extLst>
+  </p:cSld>
+  <p:clrMapOvr>
+    <a:masterClrMapping/>
+  </p:clrMapOvr>
+</p:notes>
+</file>
+
+<file path=ppt/notesSlides/notesSlide26.xml><?xml version="1.0" encoding="utf-8"?>
+<p:notes xmlns:a="http://schemas.openxmlformats.org/drawingml/2006/main" xmlns:r="http://schemas.openxmlformats.org/officeDocument/2006/relationships" xmlns:p="http://schemas.openxmlformats.org/presentationml/2006/main">
+  <p:cSld>
+    <p:spTree>
+      <p:nvGrpSpPr>
+        <p:cNvPr id="1" name=""/>
+        <p:cNvGrpSpPr/>
+        <p:nvPr/>
+      </p:nvGrpSpPr>
+      <p:grpSpPr>
+        <a:xfrm>
+          <a:off x="0" y="0"/>
+          <a:ext cx="0" cy="0"/>
+          <a:chOff x="0" y="0"/>
+          <a:chExt cx="0" cy="0"/>
+        </a:xfrm>
+      </p:grpSpPr>
+      <p:sp>
+        <p:nvSpPr>
+          <p:cNvPr id="2" name="Slide Image Placeholder 1"/>
+          <p:cNvSpPr>
+            <a:spLocks noGrp="1" noRot="1" noChangeAspect="1"/>
+          </p:cNvSpPr>
+          <p:nvPr>
+            <p:ph type="sldImg"/>
+          </p:nvPr>
+        </p:nvSpPr>
         <p:spPr>
           <a:xfrm>
             <a:off x="381000" y="685800"/>
@@ -1908,7 +2078,7 @@
           <a:p>
             <a:fld id="{AD2EC2AB-FD5C-4EF7-AF8D-FB95907AF3A4}" type="slidenum">
               <a:rPr lang="en-GB" smtClean="0"/>
-              <a:t>24</a:t>
+              <a:t>26</a:t>
             </a:fld>
             <a:endParaRPr lang="en-GB" dirty="0"/>
           </a:p>
@@ -13356,6 +13526,248 @@
       </p:grpSpPr>
       <p:sp>
         <p:nvSpPr>
+          <p:cNvPr id="2" name="Title 1">
+            <a:extLst>
+              <a:ext uri="{FF2B5EF4-FFF2-40B4-BE49-F238E27FC236}">
+                <a16:creationId xmlns:a16="http://schemas.microsoft.com/office/drawing/2014/main" id="{040D4E63-E9AF-4238-920D-1F856BC22406}"/>
+              </a:ext>
+            </a:extLst>
+          </p:cNvPr>
+          <p:cNvSpPr>
+            <a:spLocks noGrp="1"/>
+          </p:cNvSpPr>
+          <p:nvPr>
+            <p:ph type="title"/>
+          </p:nvPr>
+        </p:nvSpPr>
+        <p:spPr/>
+        <p:txBody>
+          <a:bodyPr/>
+          <a:lstStyle/>
+          <a:p>
+            <a:r>
+              <a:rPr lang="en-GB" dirty="0"/>
+              <a:t>Snapshot Testing</a:t>
+            </a:r>
+          </a:p>
+        </p:txBody>
+      </p:sp>
+      <p:pic>
+        <p:nvPicPr>
+          <p:cNvPr id="5" name="Content Placeholder 4">
+            <a:extLst>
+              <a:ext uri="{FF2B5EF4-FFF2-40B4-BE49-F238E27FC236}">
+                <a16:creationId xmlns:a16="http://schemas.microsoft.com/office/drawing/2014/main" id="{B0421D3D-C99A-4637-9F38-4ED5BC94DC28}"/>
+              </a:ext>
+            </a:extLst>
+          </p:cNvPr>
+          <p:cNvPicPr>
+            <a:picLocks noGrp="1" noChangeAspect="1"/>
+          </p:cNvPicPr>
+          <p:nvPr>
+            <p:ph idx="1"/>
+          </p:nvPr>
+        </p:nvPicPr>
+        <p:blipFill>
+          <a:blip r:embed="rId3"/>
+          <a:stretch>
+            <a:fillRect/>
+          </a:stretch>
+        </p:blipFill>
+        <p:spPr>
+          <a:xfrm>
+            <a:off x="417681" y="1268413"/>
+            <a:ext cx="11356638" cy="4645025"/>
+          </a:xfrm>
+          <a:prstGeom prst="rect">
+            <a:avLst/>
+          </a:prstGeom>
+        </p:spPr>
+      </p:pic>
+      <p:sp>
+        <p:nvSpPr>
+          <p:cNvPr id="4" name="Slide Number Placeholder 3">
+            <a:extLst>
+              <a:ext uri="{FF2B5EF4-FFF2-40B4-BE49-F238E27FC236}">
+                <a16:creationId xmlns:a16="http://schemas.microsoft.com/office/drawing/2014/main" id="{E43C5B5C-C55E-495B-9DFD-0532AA801907}"/>
+              </a:ext>
+            </a:extLst>
+          </p:cNvPr>
+          <p:cNvSpPr>
+            <a:spLocks noGrp="1"/>
+          </p:cNvSpPr>
+          <p:nvPr>
+            <p:ph type="sldNum" sz="quarter" idx="12"/>
+          </p:nvPr>
+        </p:nvSpPr>
+        <p:spPr/>
+        <p:txBody>
+          <a:bodyPr/>
+          <a:lstStyle/>
+          <a:p>
+            <a:fld id="{5BA07366-CB75-4AA8-9E5B-928B849F427C}" type="slidenum">
+              <a:rPr lang="en-GB" smtClean="0"/>
+              <a:t>24</a:t>
+            </a:fld>
+            <a:endParaRPr lang="en-GB" dirty="0"/>
+          </a:p>
+        </p:txBody>
+      </p:sp>
+    </p:spTree>
+    <p:extLst>
+      <p:ext uri="{BB962C8B-B14F-4D97-AF65-F5344CB8AC3E}">
+        <p14:creationId xmlns:p14="http://schemas.microsoft.com/office/powerpoint/2010/main" val="2572026513"/>
+      </p:ext>
+    </p:extLst>
+  </p:cSld>
+  <p:clrMapOvr>
+    <a:masterClrMapping/>
+  </p:clrMapOvr>
+</p:sld>
+</file>
+
+<file path=ppt/slides/slide25.xml><?xml version="1.0" encoding="utf-8"?>
+<p:sld xmlns:a="http://schemas.openxmlformats.org/drawingml/2006/main" xmlns:r="http://schemas.openxmlformats.org/officeDocument/2006/relationships" xmlns:p="http://schemas.openxmlformats.org/presentationml/2006/main">
+  <p:cSld>
+    <p:spTree>
+      <p:nvGrpSpPr>
+        <p:cNvPr id="1" name=""/>
+        <p:cNvGrpSpPr/>
+        <p:nvPr/>
+      </p:nvGrpSpPr>
+      <p:grpSpPr>
+        <a:xfrm>
+          <a:off x="0" y="0"/>
+          <a:ext cx="0" cy="0"/>
+          <a:chOff x="0" y="0"/>
+          <a:chExt cx="0" cy="0"/>
+        </a:xfrm>
+      </p:grpSpPr>
+      <p:sp>
+        <p:nvSpPr>
+          <p:cNvPr id="2" name="Title 1">
+            <a:extLst>
+              <a:ext uri="{FF2B5EF4-FFF2-40B4-BE49-F238E27FC236}">
+                <a16:creationId xmlns:a16="http://schemas.microsoft.com/office/drawing/2014/main" id="{ACF72B25-193B-405B-B6A4-77AA4B8EC7FA}"/>
+              </a:ext>
+            </a:extLst>
+          </p:cNvPr>
+          <p:cNvSpPr>
+            <a:spLocks noGrp="1"/>
+          </p:cNvSpPr>
+          <p:nvPr>
+            <p:ph type="title"/>
+          </p:nvPr>
+        </p:nvSpPr>
+        <p:spPr/>
+        <p:txBody>
+          <a:bodyPr/>
+          <a:lstStyle/>
+          <a:p>
+            <a:r>
+              <a:rPr lang="en-GB" dirty="0"/>
+              <a:t>The Snapshot Testing Process</a:t>
+            </a:r>
+            <a:br>
+              <a:rPr lang="en-GB" dirty="0"/>
+            </a:br>
+            <a:endParaRPr lang="en-GB" dirty="0"/>
+          </a:p>
+        </p:txBody>
+      </p:sp>
+      <p:pic>
+        <p:nvPicPr>
+          <p:cNvPr id="5" name="Content Placeholder 4">
+            <a:extLst>
+              <a:ext uri="{FF2B5EF4-FFF2-40B4-BE49-F238E27FC236}">
+                <a16:creationId xmlns:a16="http://schemas.microsoft.com/office/drawing/2014/main" id="{A152EA40-4AA9-4878-8088-5D2431BA2668}"/>
+              </a:ext>
+            </a:extLst>
+          </p:cNvPr>
+          <p:cNvPicPr>
+            <a:picLocks noGrp="1" noChangeAspect="1"/>
+          </p:cNvPicPr>
+          <p:nvPr>
+            <p:ph idx="1"/>
+          </p:nvPr>
+        </p:nvPicPr>
+        <p:blipFill>
+          <a:blip r:embed="rId3"/>
+          <a:stretch>
+            <a:fillRect/>
+          </a:stretch>
+        </p:blipFill>
+        <p:spPr>
+          <a:xfrm>
+            <a:off x="646790" y="1268413"/>
+            <a:ext cx="10898420" cy="4645025"/>
+          </a:xfrm>
+          <a:prstGeom prst="rect">
+            <a:avLst/>
+          </a:prstGeom>
+        </p:spPr>
+      </p:pic>
+      <p:sp>
+        <p:nvSpPr>
+          <p:cNvPr id="4" name="Slide Number Placeholder 3">
+            <a:extLst>
+              <a:ext uri="{FF2B5EF4-FFF2-40B4-BE49-F238E27FC236}">
+                <a16:creationId xmlns:a16="http://schemas.microsoft.com/office/drawing/2014/main" id="{04E51635-8EA5-4C7A-8060-C1EB565187DA}"/>
+              </a:ext>
+            </a:extLst>
+          </p:cNvPr>
+          <p:cNvSpPr>
+            <a:spLocks noGrp="1"/>
+          </p:cNvSpPr>
+          <p:nvPr>
+            <p:ph type="sldNum" sz="quarter" idx="12"/>
+          </p:nvPr>
+        </p:nvSpPr>
+        <p:spPr/>
+        <p:txBody>
+          <a:bodyPr/>
+          <a:lstStyle/>
+          <a:p>
+            <a:fld id="{5BA07366-CB75-4AA8-9E5B-928B849F427C}" type="slidenum">
+              <a:rPr lang="en-GB" smtClean="0"/>
+              <a:t>25</a:t>
+            </a:fld>
+            <a:endParaRPr lang="en-GB" dirty="0"/>
+          </a:p>
+        </p:txBody>
+      </p:sp>
+    </p:spTree>
+    <p:extLst>
+      <p:ext uri="{BB962C8B-B14F-4D97-AF65-F5344CB8AC3E}">
+        <p14:creationId xmlns:p14="http://schemas.microsoft.com/office/powerpoint/2010/main" val="3412477602"/>
+      </p:ext>
+    </p:extLst>
+  </p:cSld>
+  <p:clrMapOvr>
+    <a:masterClrMapping/>
+  </p:clrMapOvr>
+</p:sld>
+</file>
+
+<file path=ppt/slides/slide26.xml><?xml version="1.0" encoding="utf-8"?>
+<p:sld xmlns:a="http://schemas.openxmlformats.org/drawingml/2006/main" xmlns:r="http://schemas.openxmlformats.org/officeDocument/2006/relationships" xmlns:p="http://schemas.openxmlformats.org/presentationml/2006/main">
+  <p:cSld>
+    <p:spTree>
+      <p:nvGrpSpPr>
+        <p:cNvPr id="1" name=""/>
+        <p:cNvGrpSpPr/>
+        <p:nvPr/>
+      </p:nvGrpSpPr>
+      <p:grpSpPr>
+        <a:xfrm>
+          <a:off x="0" y="0"/>
+          <a:ext cx="0" cy="0"/>
+          <a:chOff x="0" y="0"/>
+          <a:chExt cx="0" cy="0"/>
+        </a:xfrm>
+      </p:grpSpPr>
+      <p:sp>
+        <p:nvSpPr>
           <p:cNvPr id="24" name="Title 23"/>
           <p:cNvSpPr>
             <a:spLocks noGrp="1"/>
@@ -13403,7 +13815,7 @@
             <a:fld id="{5BA07366-CB75-4AA8-9E5B-928B849F427C}" type="slidenum">
               <a:rPr lang="en-GB" smtClean="0"/>
               <a:pPr/>
-              <a:t>24</a:t>
+              <a:t>26</a:t>
             </a:fld>
             <a:endParaRPr lang="en-GB" dirty="0"/>
           </a:p>
